--- a/5 - doc2query/leitura/doc2query.pptx
+++ b/5 - doc2query/leitura/doc2query.pptx
@@ -5,17 +5,16 @@
     <p:sldMasterId id="2147483648" r:id="rId4"/>
   </p:sldMasterIdLst>
   <p:notesMasterIdLst>
-    <p:notesMasterId r:id="rId10"/>
+    <p:notesMasterId r:id="rId9"/>
   </p:notesMasterIdLst>
   <p:handoutMasterIdLst>
-    <p:handoutMasterId r:id="rId11"/>
+    <p:handoutMasterId r:id="rId10"/>
   </p:handoutMasterIdLst>
   <p:sldIdLst>
     <p:sldId id="256" r:id="rId5"/>
     <p:sldId id="298" r:id="rId6"/>
     <p:sldId id="277" r:id="rId7"/>
-    <p:sldId id="304" r:id="rId8"/>
-    <p:sldId id="289" r:id="rId9"/>
+    <p:sldId id="289" r:id="rId8"/>
   </p:sldIdLst>
   <p:sldSz cx="12192000" cy="6858000"/>
   <p:notesSz cx="6858000" cy="9144000"/>
@@ -2923,7 +2922,7 @@
             <a:pPr rtl="0"/>
             <a:fld id="{1CFE3099-591D-45A7-A51D-7A26F574396C}" type="datetime1">
               <a:rPr lang="pt-BR" smtClean="0"/>
-              <a:t>10/04/2023</a:t>
+              <a:t>12/04/2023</a:t>
             </a:fld>
             <a:endParaRPr lang="pt-BR" dirty="0"/>
           </a:p>
@@ -3104,7 +3103,7 @@
             <a:fld id="{04512B0B-086E-405E-B6A3-A336C302B6B7}" type="datetime1">
               <a:rPr lang="pt-BR" smtClean="0"/>
               <a:pPr/>
-              <a:t>10/04/2023</a:t>
+              <a:t>12/04/2023</a:t>
             </a:fld>
             <a:endParaRPr lang="pt-BR" dirty="0"/>
           </a:p>
@@ -3697,91 +3696,6 @@
             <a:fld id="{35BAF473-2665-42A7-89E3-C7BA7EB58D12}" type="slidenum">
               <a:rPr lang="pt-BR" smtClean="0"/>
               <a:t>4</a:t>
-            </a:fld>
-            <a:endParaRPr lang="pt-BR"/>
-          </a:p>
-        </p:txBody>
-      </p:sp>
-    </p:spTree>
-    <p:extLst>
-      <p:ext uri="{BB962C8B-B14F-4D97-AF65-F5344CB8AC3E}">
-        <p14:creationId xmlns:p14="http://schemas.microsoft.com/office/powerpoint/2010/main" val="2353825951"/>
-      </p:ext>
-    </p:extLst>
-  </p:cSld>
-  <p:clrMapOvr>
-    <a:masterClrMapping/>
-  </p:clrMapOvr>
-</p:notes>
-</file>
-
-<file path=ppt/notesSlides/notesSlide5.xml><?xml version="1.0" encoding="utf-8"?>
-<p:notes xmlns:a="http://schemas.openxmlformats.org/drawingml/2006/main" xmlns:r="http://schemas.openxmlformats.org/officeDocument/2006/relationships" xmlns:p="http://schemas.openxmlformats.org/presentationml/2006/main">
-  <p:cSld>
-    <p:spTree>
-      <p:nvGrpSpPr>
-        <p:cNvPr id="1" name=""/>
-        <p:cNvGrpSpPr/>
-        <p:nvPr/>
-      </p:nvGrpSpPr>
-      <p:grpSpPr>
-        <a:xfrm>
-          <a:off x="0" y="0"/>
-          <a:ext cx="0" cy="0"/>
-          <a:chOff x="0" y="0"/>
-          <a:chExt cx="0" cy="0"/>
-        </a:xfrm>
-      </p:grpSpPr>
-      <p:sp>
-        <p:nvSpPr>
-          <p:cNvPr id="2" name="Espaço Reservado para Imagem de Slide 1"/>
-          <p:cNvSpPr>
-            <a:spLocks noGrp="1" noRot="1" noChangeAspect="1"/>
-          </p:cNvSpPr>
-          <p:nvPr>
-            <p:ph type="sldImg"/>
-          </p:nvPr>
-        </p:nvSpPr>
-        <p:spPr/>
-      </p:sp>
-      <p:sp>
-        <p:nvSpPr>
-          <p:cNvPr id="3" name="Espaço Reservado para Anotações 2"/>
-          <p:cNvSpPr>
-            <a:spLocks noGrp="1"/>
-          </p:cNvSpPr>
-          <p:nvPr>
-            <p:ph type="body" idx="1"/>
-          </p:nvPr>
-        </p:nvSpPr>
-        <p:spPr/>
-        <p:txBody>
-          <a:bodyPr/>
-          <a:lstStyle/>
-          <a:p>
-            <a:endParaRPr lang="pt-BR" noProof="0" dirty="0"/>
-          </a:p>
-        </p:txBody>
-      </p:sp>
-      <p:sp>
-        <p:nvSpPr>
-          <p:cNvPr id="4" name="Espaço Reservado para Número de Slide 3"/>
-          <p:cNvSpPr>
-            <a:spLocks noGrp="1"/>
-          </p:cNvSpPr>
-          <p:nvPr>
-            <p:ph type="sldNum" sz="quarter" idx="5"/>
-          </p:nvPr>
-        </p:nvSpPr>
-        <p:spPr/>
-        <p:txBody>
-          <a:bodyPr/>
-          <a:lstStyle/>
-          <a:p>
-            <a:pPr rtl="0"/>
-            <a:fld id="{35BAF473-2665-42A7-89E3-C7BA7EB58D12}" type="slidenum">
-              <a:rPr lang="pt-BR" smtClean="0"/>
-              <a:t>5</a:t>
             </a:fld>
             <a:endParaRPr lang="pt-BR"/>
           </a:p>
@@ -13650,646 +13564,6 @@
           <p:cNvPr id="2" name="Título 1">
             <a:extLst>
               <a:ext uri="{FF2B5EF4-FFF2-40B4-BE49-F238E27FC236}">
-                <a16:creationId xmlns:a16="http://schemas.microsoft.com/office/drawing/2014/main" id="{6719F29B-F233-48AF-8261-F33A4E079E3E}"/>
-              </a:ext>
-            </a:extLst>
-          </p:cNvPr>
-          <p:cNvSpPr>
-            <a:spLocks noGrp="1"/>
-          </p:cNvSpPr>
-          <p:nvPr>
-            <p:ph type="title"/>
-          </p:nvPr>
-        </p:nvSpPr>
-        <p:spPr>
-          <a:xfrm>
-            <a:off x="176169" y="243281"/>
-            <a:ext cx="6401988" cy="729788"/>
-          </a:xfrm>
-        </p:spPr>
-        <p:txBody>
-          <a:bodyPr rtlCol="0"/>
-          <a:lstStyle/>
-          <a:p>
-            <a:pPr algn="l" rtl="0"/>
-            <a:r>
-              <a:rPr lang="pt-BR" dirty="0"/>
-              <a:t>Dúvida</a:t>
-            </a:r>
-          </a:p>
-        </p:txBody>
-      </p:sp>
-      <p:sp>
-        <p:nvSpPr>
-          <p:cNvPr id="4" name="Espaço Reservado para o Número do Slide 3">
-            <a:extLst>
-              <a:ext uri="{FF2B5EF4-FFF2-40B4-BE49-F238E27FC236}">
-                <a16:creationId xmlns:a16="http://schemas.microsoft.com/office/drawing/2014/main" id="{328F602C-7F98-4C02-99D4-ED65E00D66A4}"/>
-              </a:ext>
-            </a:extLst>
-          </p:cNvPr>
-          <p:cNvSpPr>
-            <a:spLocks noGrp="1"/>
-          </p:cNvSpPr>
-          <p:nvPr>
-            <p:ph type="sldNum" sz="quarter" idx="12"/>
-          </p:nvPr>
-        </p:nvSpPr>
-        <p:spPr>
-          <a:xfrm>
-            <a:off x="8610600" y="6356350"/>
-            <a:ext cx="2743200" cy="365125"/>
-          </a:xfrm>
-        </p:spPr>
-        <p:txBody>
-          <a:bodyPr rtlCol="0"/>
-          <a:lstStyle/>
-          <a:p>
-            <a:pPr rtl="0"/>
-            <a:fld id="{19B51A1E-902D-48AF-9020-955120F399B6}" type="slidenum">
-              <a:rPr lang="pt-BR" smtClean="0"/>
-              <a:pPr rtl="0"/>
-              <a:t>4</a:t>
-            </a:fld>
-            <a:endParaRPr lang="pt-BR"/>
-          </a:p>
-        </p:txBody>
-      </p:sp>
-      <p:sp>
-        <p:nvSpPr>
-          <p:cNvPr id="20" name="Espaço Reservado para Conteúdo 3">
-            <a:extLst>
-              <a:ext uri="{FF2B5EF4-FFF2-40B4-BE49-F238E27FC236}">
-                <a16:creationId xmlns:a16="http://schemas.microsoft.com/office/drawing/2014/main" id="{A26C9687-67C8-0FE8-0794-47272524905A}"/>
-              </a:ext>
-            </a:extLst>
-          </p:cNvPr>
-          <p:cNvSpPr txBox="1">
-            <a:spLocks/>
-          </p:cNvSpPr>
-          <p:nvPr/>
-        </p:nvSpPr>
-        <p:spPr>
-          <a:xfrm>
-            <a:off x="243282" y="2088859"/>
-            <a:ext cx="11694252" cy="4353885"/>
-          </a:xfrm>
-          <a:prstGeom prst="rect">
-            <a:avLst/>
-          </a:prstGeom>
-        </p:spPr>
-        <p:txBody>
-          <a:bodyPr rtlCol="0">
-            <a:normAutofit/>
-          </a:bodyPr>
-          <a:lstStyle>
-            <a:lvl1pPr marL="228600" indent="-228600" algn="l" defTabSz="914400" rtl="0" eaLnBrk="1" latinLnBrk="0" hangingPunct="1">
-              <a:lnSpc>
-                <a:spcPct val="90000"/>
-              </a:lnSpc>
-              <a:spcBef>
-                <a:spcPts val="1000"/>
-              </a:spcBef>
-              <a:buFont typeface="Arial" panose="020B0604020202020204" pitchFamily="34" charset="0"/>
-              <a:buChar char="•"/>
-              <a:defRPr sz="2800" kern="1200">
-                <a:solidFill>
-                  <a:schemeClr val="tx1"/>
-                </a:solidFill>
-                <a:latin typeface="+mn-lt"/>
-                <a:ea typeface="+mn-ea"/>
-                <a:cs typeface="+mn-cs"/>
-              </a:defRPr>
-            </a:lvl1pPr>
-            <a:lvl2pPr marL="685800" indent="-228600" algn="l" defTabSz="914400" rtl="0" eaLnBrk="1" latinLnBrk="0" hangingPunct="1">
-              <a:lnSpc>
-                <a:spcPct val="90000"/>
-              </a:lnSpc>
-              <a:spcBef>
-                <a:spcPts val="500"/>
-              </a:spcBef>
-              <a:buFont typeface="Arial" panose="020B0604020202020204" pitchFamily="34" charset="0"/>
-              <a:buChar char="•"/>
-              <a:defRPr sz="2400" kern="1200">
-                <a:solidFill>
-                  <a:schemeClr val="tx1"/>
-                </a:solidFill>
-                <a:latin typeface="+mn-lt"/>
-                <a:ea typeface="+mn-ea"/>
-                <a:cs typeface="+mn-cs"/>
-              </a:defRPr>
-            </a:lvl2pPr>
-            <a:lvl3pPr marL="1143000" indent="-228600" algn="l" defTabSz="914400" rtl="0" eaLnBrk="1" latinLnBrk="0" hangingPunct="1">
-              <a:lnSpc>
-                <a:spcPct val="90000"/>
-              </a:lnSpc>
-              <a:spcBef>
-                <a:spcPts val="500"/>
-              </a:spcBef>
-              <a:buFont typeface="Arial" panose="020B0604020202020204" pitchFamily="34" charset="0"/>
-              <a:buChar char="•"/>
-              <a:defRPr sz="2000" kern="1200">
-                <a:solidFill>
-                  <a:schemeClr val="tx1"/>
-                </a:solidFill>
-                <a:latin typeface="+mn-lt"/>
-                <a:ea typeface="+mn-ea"/>
-                <a:cs typeface="+mn-cs"/>
-              </a:defRPr>
-            </a:lvl3pPr>
-            <a:lvl4pPr marL="1600200" indent="-228600" algn="l" defTabSz="914400" rtl="0" eaLnBrk="1" latinLnBrk="0" hangingPunct="1">
-              <a:lnSpc>
-                <a:spcPct val="90000"/>
-              </a:lnSpc>
-              <a:spcBef>
-                <a:spcPts val="500"/>
-              </a:spcBef>
-              <a:buFont typeface="Arial" panose="020B0604020202020204" pitchFamily="34" charset="0"/>
-              <a:buChar char="•"/>
-              <a:defRPr sz="1800" kern="1200">
-                <a:solidFill>
-                  <a:schemeClr val="tx1"/>
-                </a:solidFill>
-                <a:latin typeface="+mn-lt"/>
-                <a:ea typeface="+mn-ea"/>
-                <a:cs typeface="+mn-cs"/>
-              </a:defRPr>
-            </a:lvl4pPr>
-            <a:lvl5pPr marL="2057400" indent="-228600" algn="l" defTabSz="914400" rtl="0" eaLnBrk="1" latinLnBrk="0" hangingPunct="1">
-              <a:lnSpc>
-                <a:spcPct val="90000"/>
-              </a:lnSpc>
-              <a:spcBef>
-                <a:spcPts val="500"/>
-              </a:spcBef>
-              <a:buFont typeface="Arial" panose="020B0604020202020204" pitchFamily="34" charset="0"/>
-              <a:buChar char="•"/>
-              <a:defRPr sz="1800" kern="1200">
-                <a:solidFill>
-                  <a:schemeClr val="tx1"/>
-                </a:solidFill>
-                <a:latin typeface="+mn-lt"/>
-                <a:ea typeface="+mn-ea"/>
-                <a:cs typeface="+mn-cs"/>
-              </a:defRPr>
-            </a:lvl5pPr>
-            <a:lvl6pPr marL="2514600" indent="-228600" algn="l" defTabSz="914400" rtl="0" eaLnBrk="1" latinLnBrk="0" hangingPunct="1">
-              <a:lnSpc>
-                <a:spcPct val="90000"/>
-              </a:lnSpc>
-              <a:spcBef>
-                <a:spcPts val="500"/>
-              </a:spcBef>
-              <a:buFont typeface="Arial" panose="020B0604020202020204" pitchFamily="34" charset="0"/>
-              <a:buChar char="•"/>
-              <a:defRPr sz="1800" kern="1200">
-                <a:solidFill>
-                  <a:schemeClr val="tx1"/>
-                </a:solidFill>
-                <a:latin typeface="+mn-lt"/>
-                <a:ea typeface="+mn-ea"/>
-                <a:cs typeface="+mn-cs"/>
-              </a:defRPr>
-            </a:lvl6pPr>
-            <a:lvl7pPr marL="2971800" indent="-228600" algn="l" defTabSz="914400" rtl="0" eaLnBrk="1" latinLnBrk="0" hangingPunct="1">
-              <a:lnSpc>
-                <a:spcPct val="90000"/>
-              </a:lnSpc>
-              <a:spcBef>
-                <a:spcPts val="500"/>
-              </a:spcBef>
-              <a:buFont typeface="Arial" panose="020B0604020202020204" pitchFamily="34" charset="0"/>
-              <a:buChar char="•"/>
-              <a:defRPr sz="1800" kern="1200">
-                <a:solidFill>
-                  <a:schemeClr val="tx1"/>
-                </a:solidFill>
-                <a:latin typeface="+mn-lt"/>
-                <a:ea typeface="+mn-ea"/>
-                <a:cs typeface="+mn-cs"/>
-              </a:defRPr>
-            </a:lvl7pPr>
-            <a:lvl8pPr marL="3429000" indent="-228600" algn="l" defTabSz="914400" rtl="0" eaLnBrk="1" latinLnBrk="0" hangingPunct="1">
-              <a:lnSpc>
-                <a:spcPct val="90000"/>
-              </a:lnSpc>
-              <a:spcBef>
-                <a:spcPts val="500"/>
-              </a:spcBef>
-              <a:buFont typeface="Arial" panose="020B0604020202020204" pitchFamily="34" charset="0"/>
-              <a:buChar char="•"/>
-              <a:defRPr sz="1800" kern="1200">
-                <a:solidFill>
-                  <a:schemeClr val="tx1"/>
-                </a:solidFill>
-                <a:latin typeface="+mn-lt"/>
-                <a:ea typeface="+mn-ea"/>
-                <a:cs typeface="+mn-cs"/>
-              </a:defRPr>
-            </a:lvl8pPr>
-            <a:lvl9pPr marL="3886200" indent="-228600" algn="l" defTabSz="914400" rtl="0" eaLnBrk="1" latinLnBrk="0" hangingPunct="1">
-              <a:lnSpc>
-                <a:spcPct val="90000"/>
-              </a:lnSpc>
-              <a:spcBef>
-                <a:spcPts val="500"/>
-              </a:spcBef>
-              <a:buFont typeface="Arial" panose="020B0604020202020204" pitchFamily="34" charset="0"/>
-              <a:buChar char="•"/>
-              <a:defRPr sz="1800" kern="1200">
-                <a:solidFill>
-                  <a:schemeClr val="tx1"/>
-                </a:solidFill>
-                <a:latin typeface="+mn-lt"/>
-                <a:ea typeface="+mn-ea"/>
-                <a:cs typeface="+mn-cs"/>
-              </a:defRPr>
-            </a:lvl9pPr>
-          </a:lstStyle>
-          <a:p>
-            <a:pPr marL="0" indent="0">
-              <a:buNone/>
-            </a:pPr>
-            <a:endParaRPr lang="pt-BR" sz="2400" dirty="0">
-              <a:solidFill>
-                <a:schemeClr val="accent1"/>
-              </a:solidFill>
-              <a:latin typeface="Arial" panose="020B0604020202020204" pitchFamily="34" charset="0"/>
-              <a:cs typeface="Arial" panose="020B0604020202020204" pitchFamily="34" charset="0"/>
-            </a:endParaRPr>
-          </a:p>
-        </p:txBody>
-      </p:sp>
-      <p:sp>
-        <p:nvSpPr>
-          <p:cNvPr id="3" name="Espaço Reservado para Conteúdo 3">
-            <a:extLst>
-              <a:ext uri="{FF2B5EF4-FFF2-40B4-BE49-F238E27FC236}">
-                <a16:creationId xmlns:a16="http://schemas.microsoft.com/office/drawing/2014/main" id="{844E510C-6C66-9514-573E-0EC1B83DF3EA}"/>
-              </a:ext>
-            </a:extLst>
-          </p:cNvPr>
-          <p:cNvSpPr txBox="1">
-            <a:spLocks/>
-          </p:cNvSpPr>
-          <p:nvPr/>
-        </p:nvSpPr>
-        <p:spPr>
-          <a:xfrm>
-            <a:off x="176169" y="1502263"/>
-            <a:ext cx="11694252" cy="5112456"/>
-          </a:xfrm>
-          <a:prstGeom prst="rect">
-            <a:avLst/>
-          </a:prstGeom>
-        </p:spPr>
-        <p:txBody>
-          <a:bodyPr rtlCol="0">
-            <a:normAutofit/>
-          </a:bodyPr>
-          <a:lstStyle>
-            <a:lvl1pPr marL="228600" indent="-228600" algn="l" defTabSz="914400" rtl="0" eaLnBrk="1" latinLnBrk="0" hangingPunct="1">
-              <a:lnSpc>
-                <a:spcPct val="90000"/>
-              </a:lnSpc>
-              <a:spcBef>
-                <a:spcPts val="1000"/>
-              </a:spcBef>
-              <a:buFont typeface="Arial" panose="020B0604020202020204" pitchFamily="34" charset="0"/>
-              <a:buChar char="•"/>
-              <a:defRPr sz="2800" kern="1200">
-                <a:solidFill>
-                  <a:schemeClr val="tx1"/>
-                </a:solidFill>
-                <a:latin typeface="+mn-lt"/>
-                <a:ea typeface="+mn-ea"/>
-                <a:cs typeface="+mn-cs"/>
-              </a:defRPr>
-            </a:lvl1pPr>
-            <a:lvl2pPr marL="685800" indent="-228600" algn="l" defTabSz="914400" rtl="0" eaLnBrk="1" latinLnBrk="0" hangingPunct="1">
-              <a:lnSpc>
-                <a:spcPct val="90000"/>
-              </a:lnSpc>
-              <a:spcBef>
-                <a:spcPts val="500"/>
-              </a:spcBef>
-              <a:buFont typeface="Arial" panose="020B0604020202020204" pitchFamily="34" charset="0"/>
-              <a:buChar char="•"/>
-              <a:defRPr sz="2400" kern="1200">
-                <a:solidFill>
-                  <a:schemeClr val="tx1"/>
-                </a:solidFill>
-                <a:latin typeface="+mn-lt"/>
-                <a:ea typeface="+mn-ea"/>
-                <a:cs typeface="+mn-cs"/>
-              </a:defRPr>
-            </a:lvl2pPr>
-            <a:lvl3pPr marL="1143000" indent="-228600" algn="l" defTabSz="914400" rtl="0" eaLnBrk="1" latinLnBrk="0" hangingPunct="1">
-              <a:lnSpc>
-                <a:spcPct val="90000"/>
-              </a:lnSpc>
-              <a:spcBef>
-                <a:spcPts val="500"/>
-              </a:spcBef>
-              <a:buFont typeface="Arial" panose="020B0604020202020204" pitchFamily="34" charset="0"/>
-              <a:buChar char="•"/>
-              <a:defRPr sz="2000" kern="1200">
-                <a:solidFill>
-                  <a:schemeClr val="tx1"/>
-                </a:solidFill>
-                <a:latin typeface="+mn-lt"/>
-                <a:ea typeface="+mn-ea"/>
-                <a:cs typeface="+mn-cs"/>
-              </a:defRPr>
-            </a:lvl3pPr>
-            <a:lvl4pPr marL="1600200" indent="-228600" algn="l" defTabSz="914400" rtl="0" eaLnBrk="1" latinLnBrk="0" hangingPunct="1">
-              <a:lnSpc>
-                <a:spcPct val="90000"/>
-              </a:lnSpc>
-              <a:spcBef>
-                <a:spcPts val="500"/>
-              </a:spcBef>
-              <a:buFont typeface="Arial" panose="020B0604020202020204" pitchFamily="34" charset="0"/>
-              <a:buChar char="•"/>
-              <a:defRPr sz="1800" kern="1200">
-                <a:solidFill>
-                  <a:schemeClr val="tx1"/>
-                </a:solidFill>
-                <a:latin typeface="+mn-lt"/>
-                <a:ea typeface="+mn-ea"/>
-                <a:cs typeface="+mn-cs"/>
-              </a:defRPr>
-            </a:lvl4pPr>
-            <a:lvl5pPr marL="2057400" indent="-228600" algn="l" defTabSz="914400" rtl="0" eaLnBrk="1" latinLnBrk="0" hangingPunct="1">
-              <a:lnSpc>
-                <a:spcPct val="90000"/>
-              </a:lnSpc>
-              <a:spcBef>
-                <a:spcPts val="500"/>
-              </a:spcBef>
-              <a:buFont typeface="Arial" panose="020B0604020202020204" pitchFamily="34" charset="0"/>
-              <a:buChar char="•"/>
-              <a:defRPr sz="1800" kern="1200">
-                <a:solidFill>
-                  <a:schemeClr val="tx1"/>
-                </a:solidFill>
-                <a:latin typeface="+mn-lt"/>
-                <a:ea typeface="+mn-ea"/>
-                <a:cs typeface="+mn-cs"/>
-              </a:defRPr>
-            </a:lvl5pPr>
-            <a:lvl6pPr marL="2514600" indent="-228600" algn="l" defTabSz="914400" rtl="0" eaLnBrk="1" latinLnBrk="0" hangingPunct="1">
-              <a:lnSpc>
-                <a:spcPct val="90000"/>
-              </a:lnSpc>
-              <a:spcBef>
-                <a:spcPts val="500"/>
-              </a:spcBef>
-              <a:buFont typeface="Arial" panose="020B0604020202020204" pitchFamily="34" charset="0"/>
-              <a:buChar char="•"/>
-              <a:defRPr sz="1800" kern="1200">
-                <a:solidFill>
-                  <a:schemeClr val="tx1"/>
-                </a:solidFill>
-                <a:latin typeface="+mn-lt"/>
-                <a:ea typeface="+mn-ea"/>
-                <a:cs typeface="+mn-cs"/>
-              </a:defRPr>
-            </a:lvl6pPr>
-            <a:lvl7pPr marL="2971800" indent="-228600" algn="l" defTabSz="914400" rtl="0" eaLnBrk="1" latinLnBrk="0" hangingPunct="1">
-              <a:lnSpc>
-                <a:spcPct val="90000"/>
-              </a:lnSpc>
-              <a:spcBef>
-                <a:spcPts val="500"/>
-              </a:spcBef>
-              <a:buFont typeface="Arial" panose="020B0604020202020204" pitchFamily="34" charset="0"/>
-              <a:buChar char="•"/>
-              <a:defRPr sz="1800" kern="1200">
-                <a:solidFill>
-                  <a:schemeClr val="tx1"/>
-                </a:solidFill>
-                <a:latin typeface="+mn-lt"/>
-                <a:ea typeface="+mn-ea"/>
-                <a:cs typeface="+mn-cs"/>
-              </a:defRPr>
-            </a:lvl7pPr>
-            <a:lvl8pPr marL="3429000" indent="-228600" algn="l" defTabSz="914400" rtl="0" eaLnBrk="1" latinLnBrk="0" hangingPunct="1">
-              <a:lnSpc>
-                <a:spcPct val="90000"/>
-              </a:lnSpc>
-              <a:spcBef>
-                <a:spcPts val="500"/>
-              </a:spcBef>
-              <a:buFont typeface="Arial" panose="020B0604020202020204" pitchFamily="34" charset="0"/>
-              <a:buChar char="•"/>
-              <a:defRPr sz="1800" kern="1200">
-                <a:solidFill>
-                  <a:schemeClr val="tx1"/>
-                </a:solidFill>
-                <a:latin typeface="+mn-lt"/>
-                <a:ea typeface="+mn-ea"/>
-                <a:cs typeface="+mn-cs"/>
-              </a:defRPr>
-            </a:lvl8pPr>
-            <a:lvl9pPr marL="3886200" indent="-228600" algn="l" defTabSz="914400" rtl="0" eaLnBrk="1" latinLnBrk="0" hangingPunct="1">
-              <a:lnSpc>
-                <a:spcPct val="90000"/>
-              </a:lnSpc>
-              <a:spcBef>
-                <a:spcPts val="500"/>
-              </a:spcBef>
-              <a:buFont typeface="Arial" panose="020B0604020202020204" pitchFamily="34" charset="0"/>
-              <a:buChar char="•"/>
-              <a:defRPr sz="1800" kern="1200">
-                <a:solidFill>
-                  <a:schemeClr val="tx1"/>
-                </a:solidFill>
-                <a:latin typeface="+mn-lt"/>
-                <a:ea typeface="+mn-ea"/>
-                <a:cs typeface="+mn-cs"/>
-              </a:defRPr>
-            </a:lvl9pPr>
-          </a:lstStyle>
-          <a:p>
-            <a:pPr marL="0" indent="0">
-              <a:buNone/>
-            </a:pPr>
-            <a:r>
-              <a:rPr lang="pt-BR" sz="2400" dirty="0">
-                <a:solidFill>
-                  <a:schemeClr val="accent1"/>
-                </a:solidFill>
-                <a:latin typeface="Arial" panose="020B0604020202020204" pitchFamily="34" charset="0"/>
-                <a:cs typeface="Arial" panose="020B0604020202020204" pitchFamily="34" charset="0"/>
-              </a:rPr>
-              <a:t>Para o treinamento do modelo foi usado um </a:t>
-            </a:r>
-            <a:r>
-              <a:rPr lang="pt-BR" sz="2400" dirty="0" err="1">
-                <a:solidFill>
-                  <a:schemeClr val="accent1"/>
-                </a:solidFill>
-                <a:latin typeface="Arial" panose="020B0604020202020204" pitchFamily="34" charset="0"/>
-                <a:cs typeface="Arial" panose="020B0604020202020204" pitchFamily="34" charset="0"/>
-              </a:rPr>
-              <a:t>dataset</a:t>
-            </a:r>
-            <a:r>
-              <a:rPr lang="pt-BR" sz="2400" dirty="0">
-                <a:solidFill>
-                  <a:schemeClr val="accent1"/>
-                </a:solidFill>
-                <a:latin typeface="Arial" panose="020B0604020202020204" pitchFamily="34" charset="0"/>
-                <a:cs typeface="Arial" panose="020B0604020202020204" pitchFamily="34" charset="0"/>
-              </a:rPr>
-              <a:t> de query </a:t>
-            </a:r>
-            <a:r>
-              <a:rPr lang="pt-BR" sz="2400" dirty="0" err="1">
-                <a:solidFill>
-                  <a:schemeClr val="accent1"/>
-                </a:solidFill>
-                <a:latin typeface="Arial" panose="020B0604020202020204" pitchFamily="34" charset="0"/>
-                <a:cs typeface="Arial" panose="020B0604020202020204" pitchFamily="34" charset="0"/>
-              </a:rPr>
-              <a:t>vs</a:t>
-            </a:r>
-            <a:r>
-              <a:rPr lang="pt-BR" sz="2400" dirty="0">
-                <a:solidFill>
-                  <a:schemeClr val="accent1"/>
-                </a:solidFill>
-                <a:latin typeface="Arial" panose="020B0604020202020204" pitchFamily="34" charset="0"/>
-                <a:cs typeface="Arial" panose="020B0604020202020204" pitchFamily="34" charset="0"/>
-              </a:rPr>
-              <a:t> documentos relevantes.</a:t>
-            </a:r>
-          </a:p>
-          <a:p>
-            <a:pPr marL="0" indent="0">
-              <a:buNone/>
-            </a:pPr>
-            <a:endParaRPr lang="pt-BR" sz="2400" dirty="0">
-              <a:solidFill>
-                <a:schemeClr val="accent1"/>
-              </a:solidFill>
-              <a:latin typeface="Arial" panose="020B0604020202020204" pitchFamily="34" charset="0"/>
-              <a:cs typeface="Arial" panose="020B0604020202020204" pitchFamily="34" charset="0"/>
-            </a:endParaRPr>
-          </a:p>
-          <a:p>
-            <a:pPr marL="0" indent="0">
-              <a:buNone/>
-            </a:pPr>
-            <a:r>
-              <a:rPr lang="pt-BR" sz="2400" dirty="0">
-                <a:solidFill>
-                  <a:schemeClr val="accent1"/>
-                </a:solidFill>
-                <a:latin typeface="Arial" panose="020B0604020202020204" pitchFamily="34" charset="0"/>
-                <a:cs typeface="Arial" panose="020B0604020202020204" pitchFamily="34" charset="0"/>
-              </a:rPr>
-              <a:t>Poderia ser usado também um </a:t>
-            </a:r>
-            <a:r>
-              <a:rPr lang="pt-BR" sz="2400" dirty="0" err="1">
-                <a:solidFill>
-                  <a:schemeClr val="accent1"/>
-                </a:solidFill>
-                <a:latin typeface="Arial" panose="020B0604020202020204" pitchFamily="34" charset="0"/>
-                <a:cs typeface="Arial" panose="020B0604020202020204" pitchFamily="34" charset="0"/>
-              </a:rPr>
-              <a:t>dataset</a:t>
-            </a:r>
-            <a:r>
-              <a:rPr lang="pt-BR" sz="2400" dirty="0">
-                <a:solidFill>
-                  <a:schemeClr val="accent1"/>
-                </a:solidFill>
-                <a:latin typeface="Arial" panose="020B0604020202020204" pitchFamily="34" charset="0"/>
-                <a:cs typeface="Arial" panose="020B0604020202020204" pitchFamily="34" charset="0"/>
-              </a:rPr>
-              <a:t> de query </a:t>
-            </a:r>
-            <a:r>
-              <a:rPr lang="pt-BR" sz="2400" dirty="0" err="1">
-                <a:solidFill>
-                  <a:schemeClr val="accent1"/>
-                </a:solidFill>
-                <a:latin typeface="Arial" panose="020B0604020202020204" pitchFamily="34" charset="0"/>
-                <a:cs typeface="Arial" panose="020B0604020202020204" pitchFamily="34" charset="0"/>
-              </a:rPr>
-              <a:t>vs</a:t>
-            </a:r>
-            <a:r>
-              <a:rPr lang="pt-BR" sz="2400" dirty="0">
-                <a:solidFill>
-                  <a:schemeClr val="accent1"/>
-                </a:solidFill>
-                <a:latin typeface="Arial" panose="020B0604020202020204" pitchFamily="34" charset="0"/>
-                <a:cs typeface="Arial" panose="020B0604020202020204" pitchFamily="34" charset="0"/>
-              </a:rPr>
-              <a:t> documentos não relevantes para gerar um segundo modelo? Esse segundo modelo </a:t>
-            </a:r>
-            <a:r>
-              <a:rPr lang="pt-BR" sz="2400" dirty="0" err="1">
-                <a:solidFill>
-                  <a:schemeClr val="accent1"/>
-                </a:solidFill>
-                <a:latin typeface="Arial" panose="020B0604020202020204" pitchFamily="34" charset="0"/>
-                <a:cs typeface="Arial" panose="020B0604020202020204" pitchFamily="34" charset="0"/>
-              </a:rPr>
-              <a:t>popularia</a:t>
-            </a:r>
-            <a:r>
-              <a:rPr lang="pt-BR" sz="2400" dirty="0">
-                <a:solidFill>
-                  <a:schemeClr val="accent1"/>
-                </a:solidFill>
-                <a:latin typeface="Arial" panose="020B0604020202020204" pitchFamily="34" charset="0"/>
-                <a:cs typeface="Arial" panose="020B0604020202020204" pitchFamily="34" charset="0"/>
-              </a:rPr>
-              <a:t> um campo separado, que depois poderia ser usado para diminuir o score pelo BM25 (por exemplo, o score seria dado pelo score do documento menos x% do score calculado usando apenas esse campo).</a:t>
-            </a:r>
-          </a:p>
-        </p:txBody>
-      </p:sp>
-    </p:spTree>
-    <p:extLst>
-      <p:ext uri="{BB962C8B-B14F-4D97-AF65-F5344CB8AC3E}">
-        <p14:creationId xmlns:p14="http://schemas.microsoft.com/office/powerpoint/2010/main" val="1170569614"/>
-      </p:ext>
-    </p:extLst>
-  </p:cSld>
-  <p:clrMapOvr>
-    <a:masterClrMapping/>
-  </p:clrMapOvr>
-</p:sld>
-</file>
-
-<file path=ppt/slides/slide5.xml><?xml version="1.0" encoding="utf-8"?>
-<p:sld xmlns:a="http://schemas.openxmlformats.org/drawingml/2006/main" xmlns:r="http://schemas.openxmlformats.org/officeDocument/2006/relationships" xmlns:p="http://schemas.openxmlformats.org/presentationml/2006/main">
-  <p:cSld>
-    <p:spTree>
-      <p:nvGrpSpPr>
-        <p:cNvPr id="1" name=""/>
-        <p:cNvGrpSpPr/>
-        <p:nvPr/>
-      </p:nvGrpSpPr>
-      <p:grpSpPr>
-        <a:xfrm>
-          <a:off x="0" y="0"/>
-          <a:ext cx="0" cy="0"/>
-          <a:chOff x="0" y="0"/>
-          <a:chExt cx="0" cy="0"/>
-        </a:xfrm>
-      </p:grpSpPr>
-      <p:sp>
-        <p:nvSpPr>
-          <p:cNvPr id="2" name="Título 1">
-            <a:extLst>
-              <a:ext uri="{FF2B5EF4-FFF2-40B4-BE49-F238E27FC236}">
                 <a16:creationId xmlns:a16="http://schemas.microsoft.com/office/drawing/2014/main" id="{BCCAEE93-8585-46D4-A7EC-F184E317CB2E}"/>
               </a:ext>
             </a:extLst>
@@ -14392,7 +13666,7 @@
             <a:fld id="{B5CEABB6-07DC-46E8-9B57-56EC44A396E5}" type="slidenum">
               <a:rPr lang="pt-BR" smtClean="0"/>
               <a:pPr rtl="0"/>
-              <a:t>5</a:t>
+              <a:t>4</a:t>
             </a:fld>
             <a:endParaRPr lang="pt-BR"/>
           </a:p>
@@ -15203,15 +14477,6 @@
 </file>
 
 <file path=customXml/item1.xml><?xml version="1.0" encoding="utf-8"?>
-<?mso-contentType ?>
-<FormTemplates xmlns="http://schemas.microsoft.com/sharepoint/v3/contenttype/forms">
-  <Display>DocumentLibraryForm</Display>
-  <Edit>DocumentLibraryForm</Edit>
-  <New>DocumentLibraryForm</New>
-</FormTemplates>
-</file>
-
-<file path=customXml/item2.xml><?xml version="1.0" encoding="utf-8"?>
 <p:properties xmlns:p="http://schemas.microsoft.com/office/2006/metadata/properties" xmlns:xsi="http://www.w3.org/2001/XMLSchema-instance" xmlns:pc="http://schemas.microsoft.com/office/infopath/2007/PartnerControls">
   <documentManagement>
     <_ip_UnifiedCompliancePolicyUIAction xmlns="http://schemas.microsoft.com/sharepoint/v3" xsi:nil="true"/>
@@ -15228,6 +14493,15 @@
     <MediaServiceKeyPoints xmlns="71af3243-3dd4-4a8d-8c0d-dd76da1f02a5" xsi:nil="true"/>
   </documentManagement>
 </p:properties>
+</file>
+
+<file path=customXml/item2.xml><?xml version="1.0" encoding="utf-8"?>
+<?mso-contentType ?>
+<FormTemplates xmlns="http://schemas.microsoft.com/sharepoint/v3/contenttype/forms">
+  <Display>DocumentLibraryForm</Display>
+  <Edit>DocumentLibraryForm</Edit>
+  <New>DocumentLibraryForm</New>
+</FormTemplates>
 </file>
 
 <file path=customXml/item3.xml><?xml version="1.0" encoding="utf-8"?>
@@ -15513,14 +14787,6 @@
 </file>
 
 <file path=customXml/itemProps1.xml><?xml version="1.0" encoding="utf-8"?>
-<ds:datastoreItem xmlns:ds="http://schemas.openxmlformats.org/officeDocument/2006/customXml" ds:itemID="{E618C13B-9D83-4AF4-B64D-33362D5133F8}">
-  <ds:schemaRefs>
-    <ds:schemaRef ds:uri="http://schemas.microsoft.com/sharepoint/v3/contenttype/forms"/>
-  </ds:schemaRefs>
-</ds:datastoreItem>
-</file>
-
-<file path=customXml/itemProps2.xml><?xml version="1.0" encoding="utf-8"?>
 <ds:datastoreItem xmlns:ds="http://schemas.openxmlformats.org/officeDocument/2006/customXml" ds:itemID="{CA4F7154-AFAC-4BE7-8A74-7F4B6FC2743C}">
   <ds:schemaRefs>
     <ds:schemaRef ds:uri="http://schemas.openxmlformats.org/package/2006/metadata/core-properties"/>
@@ -15535,6 +14801,14 @@
     <ds:schemaRef ds:uri="http://schemas.microsoft.com/sharepoint/v3"/>
     <ds:schemaRef ds:uri="http://www.w3.org/XML/1998/namespace"/>
     <ds:schemaRef ds:uri="http://purl.org/dc/dcmitype/"/>
+  </ds:schemaRefs>
+</ds:datastoreItem>
+</file>
+
+<file path=customXml/itemProps2.xml><?xml version="1.0" encoding="utf-8"?>
+<ds:datastoreItem xmlns:ds="http://schemas.openxmlformats.org/officeDocument/2006/customXml" ds:itemID="{E618C13B-9D83-4AF4-B64D-33362D5133F8}">
+  <ds:schemaRefs>
+    <ds:schemaRef ds:uri="http://schemas.microsoft.com/sharepoint/v3/contenttype/forms"/>
   </ds:schemaRefs>
 </ds:datastoreItem>
 </file>
